--- a/Later/Java_Later/SQL/32/SQL FULL OUTER JOIN.pptx
+++ b/Later/Java_Later/SQL/32/SQL FULL OUTER JOIN.pptx
@@ -3971,7 +3971,6 @@
               <a:rPr lang="en-US" sz="1200" dirty="0"/>
               <a:t>;</a:t>
             </a:r>
-            <a:endParaRPr lang="en-US" sz="1200" dirty="0"/>
           </a:p>
         </p:txBody>
       </p:sp>
@@ -3984,7 +3983,7 @@
         <p:spPr>
           <a:xfrm>
             <a:off x="2282824" y="2465472"/>
-            <a:ext cx="1450976" cy="276999"/>
+            <a:ext cx="1755776" cy="276999"/>
           </a:xfrm>
           <a:prstGeom prst="rect">
             <a:avLst/>
@@ -4011,8 +4010,12 @@
           <a:lstStyle/>
           <a:p>
             <a:r>
+              <a:rPr lang="en-US" sz="1200" dirty="0"/>
+              <a:t>FULL OUTER JOIN </a:t>
+            </a:r>
+            <a:r>
               <a:rPr lang="en-US" sz="1200" dirty="0" smtClean="0"/>
-              <a:t>RIGHT JOIN Syntax</a:t>
+              <a:t>Syntax</a:t>
             </a:r>
             <a:endParaRPr lang="en-US" sz="1200" dirty="0"/>
           </a:p>
@@ -4103,7 +4106,6 @@
               <a:rPr lang="en-US" sz="1200" dirty="0"/>
               <a:t>FULL OUTER JOIN can potentially return very large result-sets!</a:t>
             </a:r>
-            <a:endParaRPr lang="en-US" sz="1200" dirty="0"/>
           </a:p>
         </p:txBody>
       </p:sp>
